--- a/Lean UX Canvas.pptx
+++ b/Lean UX Canvas.pptx
@@ -104,6 +104,11 @@
       </a:defRPr>
     </a:lvl9pPr>
   </p:defaultTextStyle>
+  <p:extLst>
+    <p:ext uri="{EFAFB233-063F-42B5-8137-9DF3F51BA10A}">
+      <p15:sldGuideLst xmlns:p15="http://schemas.microsoft.com/office/powerpoint/2012/main"/>
+    </p:ext>
+  </p:extLst>
 </p:presentation>
 </file>
 
@@ -2972,8 +2977,8 @@
         </p:nvSpPr>
         <p:spPr>
           <a:xfrm>
-            <a:off x="83270" y="-280448"/>
-            <a:ext cx="12192000" cy="7013542"/>
+            <a:off x="0" y="0"/>
+            <a:ext cx="12192000" cy="6858000"/>
           </a:xfrm>
           <a:prstGeom prst="rect">
             <a:avLst/>
@@ -3064,7 +3069,7 @@
         <p:spPr>
           <a:xfrm>
             <a:off x="716437" y="311085"/>
-            <a:ext cx="4732256" cy="646331"/>
+            <a:ext cx="4732256" cy="2062103"/>
           </a:xfrm>
           <a:prstGeom prst="rect">
             <a:avLst/>
@@ -3077,10 +3082,41 @@
           </a:bodyPr>
           <a:lstStyle/>
           <a:p>
-            <a:r>
-              <a:rPr lang="pt-BR" dirty="0" smtClean="0"/>
+            <a:pPr algn="ctr"/>
+            <a:r>
+              <a:rPr lang="pt-BR" sz="2000" b="1" dirty="0" smtClean="0">
+                <a:latin typeface="Arial" panose="020B0604020202020204" pitchFamily="34" charset="0"/>
+                <a:cs typeface="Arial" panose="020B0604020202020204" pitchFamily="34" charset="0"/>
+              </a:rPr>
               <a:t>Problema do negócio</a:t>
             </a:r>
+          </a:p>
+          <a:p>
+            <a:endParaRPr lang="pt-BR" dirty="0" smtClean="0">
+              <a:latin typeface="Arial" panose="020B0604020202020204" pitchFamily="34" charset="0"/>
+              <a:cs typeface="Arial" panose="020B0604020202020204" pitchFamily="34" charset="0"/>
+            </a:endParaRPr>
+          </a:p>
+          <a:p>
+            <a:pPr algn="just"/>
+            <a:r>
+              <a:rPr lang="pt-BR" dirty="0" smtClean="0">
+                <a:latin typeface="Arial" panose="020B0604020202020204" pitchFamily="34" charset="0"/>
+                <a:cs typeface="Arial" panose="020B0604020202020204" pitchFamily="34" charset="0"/>
+              </a:rPr>
+              <a:t>Frequente problema de lentidão nas máquinas de recepç</a:t>
+            </a:r>
+            <a:r>
+              <a:rPr lang="pt-BR" dirty="0" smtClean="0">
+                <a:latin typeface="Arial" panose="020B0604020202020204" pitchFamily="34" charset="0"/>
+                <a:cs typeface="Arial" panose="020B0604020202020204" pitchFamily="34" charset="0"/>
+              </a:rPr>
+              <a:t>ões em hospitais, o que gera filas na recepção e atrasos na triagem dos pacientes.</a:t>
+            </a:r>
+            <a:endParaRPr lang="pt-BR" dirty="0" smtClean="0">
+              <a:latin typeface="Arial" panose="020B0604020202020204" pitchFamily="34" charset="0"/>
+              <a:cs typeface="Arial" panose="020B0604020202020204" pitchFamily="34" charset="0"/>
+            </a:endParaRPr>
           </a:p>
           <a:p>
             <a:endParaRPr lang="pt-BR" dirty="0"/>
@@ -3216,7 +3252,33 @@
           <a:lstStyle/>
           <a:p>
             <a:pPr algn="ctr"/>
-            <a:endParaRPr lang="pt-BR"/>
+            <a:r>
+              <a:rPr lang="pt-BR" sz="2400" b="1">
+                <a:latin typeface="Arial" panose="020B0604020202020204" pitchFamily="34" charset="0"/>
+                <a:cs typeface="Arial" panose="020B0604020202020204" pitchFamily="34" charset="0"/>
+              </a:rPr>
+              <a:t>Problema do negócio</a:t>
+            </a:r>
+          </a:p>
+          <a:p>
+            <a:endParaRPr lang="pt-BR" sz="2000">
+              <a:latin typeface="Arial" panose="020B0604020202020204" pitchFamily="34" charset="0"/>
+              <a:cs typeface="Arial" panose="020B0604020202020204" pitchFamily="34" charset="0"/>
+            </a:endParaRPr>
+          </a:p>
+          <a:p>
+            <a:pPr algn="just"/>
+            <a:r>
+              <a:rPr lang="pt-BR" sz="2000">
+                <a:latin typeface="Arial" panose="020B0604020202020204" pitchFamily="34" charset="0"/>
+                <a:cs typeface="Arial" panose="020B0604020202020204" pitchFamily="34" charset="0"/>
+              </a:rPr>
+              <a:t>Frequente problema de lentidão nas máquinas de recepções em hospitais, o que gera filas na recepção e atrasos na triagem dos pacientes.</a:t>
+            </a:r>
+            <a:endParaRPr lang="pt-BR" sz="2000" dirty="0">
+              <a:latin typeface="Arial" panose="020B0604020202020204" pitchFamily="34" charset="0"/>
+              <a:cs typeface="Arial" panose="020B0604020202020204" pitchFamily="34" charset="0"/>
+            </a:endParaRPr>
           </a:p>
         </p:txBody>
       </p:sp>
@@ -3303,6 +3365,161 @@
           <a:p>
             <a:pPr algn="ctr"/>
             <a:endParaRPr lang="pt-BR"/>
+          </a:p>
+        </p:txBody>
+      </p:sp>
+      <p:sp>
+        <p:nvSpPr>
+          <p:cNvPr id="11" name="CaixaDeTexto 10"/>
+          <p:cNvSpPr txBox="1"/>
+          <p:nvPr/>
+        </p:nvSpPr>
+        <p:spPr>
+          <a:xfrm>
+            <a:off x="6740950" y="311085"/>
+            <a:ext cx="4732256" cy="1231106"/>
+          </a:xfrm>
+          <a:prstGeom prst="rect">
+            <a:avLst/>
+          </a:prstGeom>
+          <a:noFill/>
+        </p:spPr>
+        <p:txBody>
+          <a:bodyPr wrap="square" rtlCol="0">
+            <a:spAutoFit/>
+          </a:bodyPr>
+          <a:lstStyle/>
+          <a:p>
+            <a:pPr algn="ctr"/>
+            <a:r>
+              <a:rPr lang="pt-BR" sz="2000" b="1" dirty="0" smtClean="0">
+                <a:latin typeface="Arial" panose="020B0604020202020204" pitchFamily="34" charset="0"/>
+                <a:cs typeface="Arial" panose="020B0604020202020204" pitchFamily="34" charset="0"/>
+              </a:rPr>
+              <a:t>Usuários</a:t>
+            </a:r>
+          </a:p>
+          <a:p>
+            <a:pPr algn="ctr"/>
+            <a:endParaRPr lang="pt-BR" dirty="0">
+              <a:latin typeface="Arial" panose="020B0604020202020204" pitchFamily="34" charset="0"/>
+              <a:cs typeface="Arial" panose="020B0604020202020204" pitchFamily="34" charset="0"/>
+            </a:endParaRPr>
+          </a:p>
+          <a:p>
+            <a:pPr algn="just"/>
+            <a:r>
+              <a:rPr lang="pt-BR" dirty="0" smtClean="0">
+                <a:latin typeface="Arial" panose="020B0604020202020204" pitchFamily="34" charset="0"/>
+                <a:cs typeface="Arial" panose="020B0604020202020204" pitchFamily="34" charset="0"/>
+              </a:rPr>
+              <a:t>Equipe de TI/suporte do hospital.</a:t>
+            </a:r>
+          </a:p>
+          <a:p>
+            <a:endParaRPr lang="pt-BR" dirty="0"/>
+          </a:p>
+        </p:txBody>
+      </p:sp>
+      <p:sp>
+        <p:nvSpPr>
+          <p:cNvPr id="12" name="CaixaDeTexto 11"/>
+          <p:cNvSpPr txBox="1"/>
+          <p:nvPr/>
+        </p:nvSpPr>
+        <p:spPr>
+          <a:xfrm>
+            <a:off x="716437" y="3640318"/>
+            <a:ext cx="4732256" cy="1508105"/>
+          </a:xfrm>
+          <a:prstGeom prst="rect">
+            <a:avLst/>
+          </a:prstGeom>
+          <a:noFill/>
+        </p:spPr>
+        <p:txBody>
+          <a:bodyPr wrap="square" rtlCol="0">
+            <a:spAutoFit/>
+          </a:bodyPr>
+          <a:lstStyle/>
+          <a:p>
+            <a:pPr algn="ctr"/>
+            <a:r>
+              <a:rPr lang="pt-BR" sz="2000" b="1" dirty="0" smtClean="0">
+                <a:latin typeface="Arial" panose="020B0604020202020204" pitchFamily="34" charset="0"/>
+                <a:cs typeface="Arial" panose="020B0604020202020204" pitchFamily="34" charset="0"/>
+              </a:rPr>
+              <a:t>Resultados</a:t>
+            </a:r>
+          </a:p>
+          <a:p>
+            <a:pPr algn="ctr"/>
+            <a:endParaRPr lang="pt-BR" dirty="0" smtClean="0">
+              <a:latin typeface="Arial" panose="020B0604020202020204" pitchFamily="34" charset="0"/>
+              <a:cs typeface="Arial" panose="020B0604020202020204" pitchFamily="34" charset="0"/>
+            </a:endParaRPr>
+          </a:p>
+          <a:p>
+            <a:pPr algn="just"/>
+            <a:r>
+              <a:rPr lang="pt-BR" dirty="0" smtClean="0">
+                <a:latin typeface="Arial" panose="020B0604020202020204" pitchFamily="34" charset="0"/>
+                <a:cs typeface="Arial" panose="020B0604020202020204" pitchFamily="34" charset="0"/>
+              </a:rPr>
+              <a:t>Maior agilidade na triagem dos pacientes, maior satisfação por parte deles, e um ambiente de trabalho menos congestionado.</a:t>
+            </a:r>
+            <a:endParaRPr lang="pt-BR" dirty="0"/>
+          </a:p>
+        </p:txBody>
+      </p:sp>
+      <p:sp>
+        <p:nvSpPr>
+          <p:cNvPr id="13" name="CaixaDeTexto 12"/>
+          <p:cNvSpPr txBox="1"/>
+          <p:nvPr/>
+        </p:nvSpPr>
+        <p:spPr>
+          <a:xfrm>
+            <a:off x="6740950" y="3660743"/>
+            <a:ext cx="4732256" cy="1785104"/>
+          </a:xfrm>
+          <a:prstGeom prst="rect">
+            <a:avLst/>
+          </a:prstGeom>
+          <a:noFill/>
+        </p:spPr>
+        <p:txBody>
+          <a:bodyPr wrap="square" rtlCol="0">
+            <a:spAutoFit/>
+          </a:bodyPr>
+          <a:lstStyle/>
+          <a:p>
+            <a:pPr algn="ctr"/>
+            <a:r>
+              <a:rPr lang="pt-BR" sz="2000" b="1" dirty="0" smtClean="0">
+                <a:latin typeface="Arial" panose="020B0604020202020204" pitchFamily="34" charset="0"/>
+                <a:cs typeface="Arial" panose="020B0604020202020204" pitchFamily="34" charset="0"/>
+              </a:rPr>
+              <a:t>Solução e Ideias</a:t>
+            </a:r>
+          </a:p>
+          <a:p>
+            <a:pPr algn="ctr"/>
+            <a:endParaRPr lang="pt-BR" dirty="0" smtClean="0">
+              <a:latin typeface="Arial" panose="020B0604020202020204" pitchFamily="34" charset="0"/>
+              <a:cs typeface="Arial" panose="020B0604020202020204" pitchFamily="34" charset="0"/>
+            </a:endParaRPr>
+          </a:p>
+          <a:p>
+            <a:pPr algn="just"/>
+            <a:r>
+              <a:rPr lang="pt-BR" dirty="0" smtClean="0">
+                <a:latin typeface="Arial" panose="020B0604020202020204" pitchFamily="34" charset="0"/>
+                <a:cs typeface="Arial" panose="020B0604020202020204" pitchFamily="34" charset="0"/>
+              </a:rPr>
+              <a:t>Sistema de monitoramento no computador da recepção, com alertas para o usuário quando a máquina estiver prestes a dar algum problema.</a:t>
+            </a:r>
+            <a:endParaRPr lang="pt-BR" dirty="0"/>
           </a:p>
         </p:txBody>
       </p:sp>

--- a/Lean UX Canvas.pptx
+++ b/Lean UX Canvas.pptx
@@ -243,7 +243,7 @@
           <a:p>
             <a:fld id="{DF9445CA-45D8-46B0-99DD-47ED0176E37C}" type="datetimeFigureOut">
               <a:rPr lang="pt-BR" smtClean="0"/>
-              <a:t>23/08/2022</a:t>
+              <a:t>25/08/2022</a:t>
             </a:fld>
             <a:endParaRPr lang="pt-BR"/>
           </a:p>
@@ -413,7 +413,7 @@
           <a:p>
             <a:fld id="{DF9445CA-45D8-46B0-99DD-47ED0176E37C}" type="datetimeFigureOut">
               <a:rPr lang="pt-BR" smtClean="0"/>
-              <a:t>23/08/2022</a:t>
+              <a:t>25/08/2022</a:t>
             </a:fld>
             <a:endParaRPr lang="pt-BR"/>
           </a:p>
@@ -593,7 +593,7 @@
           <a:p>
             <a:fld id="{DF9445CA-45D8-46B0-99DD-47ED0176E37C}" type="datetimeFigureOut">
               <a:rPr lang="pt-BR" smtClean="0"/>
-              <a:t>23/08/2022</a:t>
+              <a:t>25/08/2022</a:t>
             </a:fld>
             <a:endParaRPr lang="pt-BR"/>
           </a:p>
@@ -763,7 +763,7 @@
           <a:p>
             <a:fld id="{DF9445CA-45D8-46B0-99DD-47ED0176E37C}" type="datetimeFigureOut">
               <a:rPr lang="pt-BR" smtClean="0"/>
-              <a:t>23/08/2022</a:t>
+              <a:t>25/08/2022</a:t>
             </a:fld>
             <a:endParaRPr lang="pt-BR"/>
           </a:p>
@@ -1009,7 +1009,7 @@
           <a:p>
             <a:fld id="{DF9445CA-45D8-46B0-99DD-47ED0176E37C}" type="datetimeFigureOut">
               <a:rPr lang="pt-BR" smtClean="0"/>
-              <a:t>23/08/2022</a:t>
+              <a:t>25/08/2022</a:t>
             </a:fld>
             <a:endParaRPr lang="pt-BR"/>
           </a:p>
@@ -1241,7 +1241,7 @@
           <a:p>
             <a:fld id="{DF9445CA-45D8-46B0-99DD-47ED0176E37C}" type="datetimeFigureOut">
               <a:rPr lang="pt-BR" smtClean="0"/>
-              <a:t>23/08/2022</a:t>
+              <a:t>25/08/2022</a:t>
             </a:fld>
             <a:endParaRPr lang="pt-BR"/>
           </a:p>
@@ -1608,7 +1608,7 @@
           <a:p>
             <a:fld id="{DF9445CA-45D8-46B0-99DD-47ED0176E37C}" type="datetimeFigureOut">
               <a:rPr lang="pt-BR" smtClean="0"/>
-              <a:t>23/08/2022</a:t>
+              <a:t>25/08/2022</a:t>
             </a:fld>
             <a:endParaRPr lang="pt-BR"/>
           </a:p>
@@ -1726,7 +1726,7 @@
           <a:p>
             <a:fld id="{DF9445CA-45D8-46B0-99DD-47ED0176E37C}" type="datetimeFigureOut">
               <a:rPr lang="pt-BR" smtClean="0"/>
-              <a:t>23/08/2022</a:t>
+              <a:t>25/08/2022</a:t>
             </a:fld>
             <a:endParaRPr lang="pt-BR"/>
           </a:p>
@@ -1821,7 +1821,7 @@
           <a:p>
             <a:fld id="{DF9445CA-45D8-46B0-99DD-47ED0176E37C}" type="datetimeFigureOut">
               <a:rPr lang="pt-BR" smtClean="0"/>
-              <a:t>23/08/2022</a:t>
+              <a:t>25/08/2022</a:t>
             </a:fld>
             <a:endParaRPr lang="pt-BR"/>
           </a:p>
@@ -2098,7 +2098,7 @@
           <a:p>
             <a:fld id="{DF9445CA-45D8-46B0-99DD-47ED0176E37C}" type="datetimeFigureOut">
               <a:rPr lang="pt-BR" smtClean="0"/>
-              <a:t>23/08/2022</a:t>
+              <a:t>25/08/2022</a:t>
             </a:fld>
             <a:endParaRPr lang="pt-BR"/>
           </a:p>
@@ -2351,7 +2351,7 @@
           <a:p>
             <a:fld id="{DF9445CA-45D8-46B0-99DD-47ED0176E37C}" type="datetimeFigureOut">
               <a:rPr lang="pt-BR" smtClean="0"/>
-              <a:t>23/08/2022</a:t>
+              <a:t>25/08/2022</a:t>
             </a:fld>
             <a:endParaRPr lang="pt-BR"/>
           </a:p>
@@ -2564,7 +2564,7 @@
           <a:p>
             <a:fld id="{DF9445CA-45D8-46B0-99DD-47ED0176E37C}" type="datetimeFigureOut">
               <a:rPr lang="pt-BR" smtClean="0"/>
-              <a:t>23/08/2022</a:t>
+              <a:t>25/08/2022</a:t>
             </a:fld>
             <a:endParaRPr lang="pt-BR"/>
           </a:p>
@@ -3025,7 +3025,7 @@
         </p:nvSpPr>
         <p:spPr>
           <a:xfrm>
-            <a:off x="405351" y="171254"/>
+            <a:off x="405351" y="142974"/>
             <a:ext cx="5533536" cy="2835898"/>
           </a:xfrm>
           <a:prstGeom prst="rect">
@@ -3104,19 +3104,8 @@
                 <a:latin typeface="Arial" panose="020B0604020202020204" pitchFamily="34" charset="0"/>
                 <a:cs typeface="Arial" panose="020B0604020202020204" pitchFamily="34" charset="0"/>
               </a:rPr>
-              <a:t>Frequente problema de lentidão nas máquinas de recepç</a:t>
-            </a:r>
-            <a:r>
-              <a:rPr lang="pt-BR" dirty="0" smtClean="0">
-                <a:latin typeface="Arial" panose="020B0604020202020204" pitchFamily="34" charset="0"/>
-                <a:cs typeface="Arial" panose="020B0604020202020204" pitchFamily="34" charset="0"/>
-              </a:rPr>
-              <a:t>ões em hospitais, o que gera filas na recepção e atrasos na triagem dos pacientes.</a:t>
-            </a:r>
-            <a:endParaRPr lang="pt-BR" dirty="0" smtClean="0">
-              <a:latin typeface="Arial" panose="020B0604020202020204" pitchFamily="34" charset="0"/>
-              <a:cs typeface="Arial" panose="020B0604020202020204" pitchFamily="34" charset="0"/>
-            </a:endParaRPr>
+              <a:t>Frequente problema de lentidão nas máquinas de recepções em hospitais, o que gera filas na recepção e atrasos na triagem dos pacientes.</a:t>
+            </a:r>
           </a:p>
           <a:p>
             <a:endParaRPr lang="pt-BR" dirty="0"/>
@@ -3253,7 +3242,7 @@
           <a:p>
             <a:pPr algn="ctr"/>
             <a:r>
-              <a:rPr lang="pt-BR" sz="2400" b="1">
+              <a:rPr lang="pt-BR" sz="2400" b="1" dirty="0">
                 <a:latin typeface="Arial" panose="020B0604020202020204" pitchFamily="34" charset="0"/>
                 <a:cs typeface="Arial" panose="020B0604020202020204" pitchFamily="34" charset="0"/>
               </a:rPr>
@@ -3261,7 +3250,7 @@
             </a:r>
           </a:p>
           <a:p>
-            <a:endParaRPr lang="pt-BR" sz="2000">
+            <a:endParaRPr lang="pt-BR" sz="2000" dirty="0">
               <a:latin typeface="Arial" panose="020B0604020202020204" pitchFamily="34" charset="0"/>
               <a:cs typeface="Arial" panose="020B0604020202020204" pitchFamily="34" charset="0"/>
             </a:endParaRPr>
@@ -3269,16 +3258,12 @@
           <a:p>
             <a:pPr algn="just"/>
             <a:r>
-              <a:rPr lang="pt-BR" sz="2000">
+              <a:rPr lang="pt-BR" sz="2000" dirty="0">
                 <a:latin typeface="Arial" panose="020B0604020202020204" pitchFamily="34" charset="0"/>
                 <a:cs typeface="Arial" panose="020B0604020202020204" pitchFamily="34" charset="0"/>
               </a:rPr>
               <a:t>Frequente problema de lentidão nas máquinas de recepções em hospitais, o que gera filas na recepção e atrasos na triagem dos pacientes.</a:t>
             </a:r>
-            <a:endParaRPr lang="pt-BR" sz="2000" dirty="0">
-              <a:latin typeface="Arial" panose="020B0604020202020204" pitchFamily="34" charset="0"/>
-              <a:cs typeface="Arial" panose="020B0604020202020204" pitchFamily="34" charset="0"/>
-            </a:endParaRPr>
           </a:p>
         </p:txBody>
       </p:sp>

--- a/Lean UX Canvas.pptx
+++ b/Lean UX Canvas.pptx
@@ -241,7 +241,7 @@
           <a:p>
             <a:fld id="{DF9445CA-45D8-46B0-99DD-47ED0176E37C}" type="datetimeFigureOut">
               <a:rPr lang="pt-BR" smtClean="0"/>
-              <a:t>26/08/2022</a:t>
+              <a:t>30/08/2022</a:t>
             </a:fld>
             <a:endParaRPr lang="pt-BR"/>
           </a:p>
@@ -409,7 +409,7 @@
           <a:p>
             <a:fld id="{DF9445CA-45D8-46B0-99DD-47ED0176E37C}" type="datetimeFigureOut">
               <a:rPr lang="pt-BR" smtClean="0"/>
-              <a:t>26/08/2022</a:t>
+              <a:t>30/08/2022</a:t>
             </a:fld>
             <a:endParaRPr lang="pt-BR"/>
           </a:p>
@@ -587,7 +587,7 @@
           <a:p>
             <a:fld id="{DF9445CA-45D8-46B0-99DD-47ED0176E37C}" type="datetimeFigureOut">
               <a:rPr lang="pt-BR" smtClean="0"/>
-              <a:t>26/08/2022</a:t>
+              <a:t>30/08/2022</a:t>
             </a:fld>
             <a:endParaRPr lang="pt-BR"/>
           </a:p>
@@ -755,7 +755,7 @@
           <a:p>
             <a:fld id="{DF9445CA-45D8-46B0-99DD-47ED0176E37C}" type="datetimeFigureOut">
               <a:rPr lang="pt-BR" smtClean="0"/>
-              <a:t>26/08/2022</a:t>
+              <a:t>30/08/2022</a:t>
             </a:fld>
             <a:endParaRPr lang="pt-BR"/>
           </a:p>
@@ -1000,7 +1000,7 @@
           <a:p>
             <a:fld id="{DF9445CA-45D8-46B0-99DD-47ED0176E37C}" type="datetimeFigureOut">
               <a:rPr lang="pt-BR" smtClean="0"/>
-              <a:t>26/08/2022</a:t>
+              <a:t>30/08/2022</a:t>
             </a:fld>
             <a:endParaRPr lang="pt-BR"/>
           </a:p>
@@ -1229,7 +1229,7 @@
           <a:p>
             <a:fld id="{DF9445CA-45D8-46B0-99DD-47ED0176E37C}" type="datetimeFigureOut">
               <a:rPr lang="pt-BR" smtClean="0"/>
-              <a:t>26/08/2022</a:t>
+              <a:t>30/08/2022</a:t>
             </a:fld>
             <a:endParaRPr lang="pt-BR"/>
           </a:p>
@@ -1593,7 +1593,7 @@
           <a:p>
             <a:fld id="{DF9445CA-45D8-46B0-99DD-47ED0176E37C}" type="datetimeFigureOut">
               <a:rPr lang="pt-BR" smtClean="0"/>
-              <a:t>26/08/2022</a:t>
+              <a:t>30/08/2022</a:t>
             </a:fld>
             <a:endParaRPr lang="pt-BR"/>
           </a:p>
@@ -1710,7 +1710,7 @@
           <a:p>
             <a:fld id="{DF9445CA-45D8-46B0-99DD-47ED0176E37C}" type="datetimeFigureOut">
               <a:rPr lang="pt-BR" smtClean="0"/>
-              <a:t>26/08/2022</a:t>
+              <a:t>30/08/2022</a:t>
             </a:fld>
             <a:endParaRPr lang="pt-BR"/>
           </a:p>
@@ -1805,7 +1805,7 @@
           <a:p>
             <a:fld id="{DF9445CA-45D8-46B0-99DD-47ED0176E37C}" type="datetimeFigureOut">
               <a:rPr lang="pt-BR" smtClean="0"/>
-              <a:t>26/08/2022</a:t>
+              <a:t>30/08/2022</a:t>
             </a:fld>
             <a:endParaRPr lang="pt-BR"/>
           </a:p>
@@ -2080,7 +2080,7 @@
           <a:p>
             <a:fld id="{DF9445CA-45D8-46B0-99DD-47ED0176E37C}" type="datetimeFigureOut">
               <a:rPr lang="pt-BR" smtClean="0"/>
-              <a:t>26/08/2022</a:t>
+              <a:t>30/08/2022</a:t>
             </a:fld>
             <a:endParaRPr lang="pt-BR"/>
           </a:p>
@@ -2332,7 +2332,7 @@
           <a:p>
             <a:fld id="{DF9445CA-45D8-46B0-99DD-47ED0176E37C}" type="datetimeFigureOut">
               <a:rPr lang="pt-BR" smtClean="0"/>
-              <a:t>26/08/2022</a:t>
+              <a:t>30/08/2022</a:t>
             </a:fld>
             <a:endParaRPr lang="pt-BR"/>
           </a:p>
@@ -2543,7 +2543,7 @@
           <a:p>
             <a:fld id="{DF9445CA-45D8-46B0-99DD-47ED0176E37C}" type="datetimeFigureOut">
               <a:rPr lang="pt-BR" smtClean="0"/>
-              <a:t>26/08/2022</a:t>
+              <a:t>30/08/2022</a:t>
             </a:fld>
             <a:endParaRPr lang="pt-BR"/>
           </a:p>
@@ -2963,7 +2963,7 @@
           <p:nvPr>
             <p:extLst>
               <p:ext uri="{D42A27DB-BD31-4B8C-83A1-F6EECF244321}">
-                <p14:modId xmlns:p14="http://schemas.microsoft.com/office/powerpoint/2010/main" val="3639784015"/>
+                <p14:modId xmlns:p14="http://schemas.microsoft.com/office/powerpoint/2010/main" val="961357770"/>
               </p:ext>
             </p:extLst>
           </p:nvPr>
@@ -3325,8 +3325,25 @@
                           <a:latin typeface="Arial" panose="020B0604020202020204" pitchFamily="34" charset="0"/>
                           <a:cs typeface="Arial" panose="020B0604020202020204" pitchFamily="34" charset="0"/>
                         </a:rPr>
-                        <a:t>Equipe de TI/suporte do hospital</a:t>
+                        <a:t>Equipe de TI/suporte do </a:t>
                       </a:r>
+                      <a:r>
+                        <a:rPr lang="pt-BR" sz="1800" b="0" dirty="0" smtClean="0">
+                          <a:solidFill>
+                            <a:schemeClr val="tx1"/>
+                          </a:solidFill>
+                          <a:latin typeface="Arial" panose="020B0604020202020204" pitchFamily="34" charset="0"/>
+                          <a:cs typeface="Arial" panose="020B0604020202020204" pitchFamily="34" charset="0"/>
+                        </a:rPr>
+                        <a:t>hospital.</a:t>
+                      </a:r>
+                      <a:endParaRPr lang="pt-BR" sz="1800" b="0" dirty="0">
+                        <a:solidFill>
+                          <a:schemeClr val="tx1"/>
+                        </a:solidFill>
+                        <a:latin typeface="Arial" panose="020B0604020202020204" pitchFamily="34" charset="0"/>
+                        <a:cs typeface="Arial" panose="020B0604020202020204" pitchFamily="34" charset="0"/>
+                      </a:endParaRPr>
                     </a:p>
                   </a:txBody>
                   <a:tcPr>
